--- a/analysis/results/us_wtivs/post_proc.pptx
+++ b/analysis/results/us_wtivs/post_proc.pptx
@@ -31,7 +31,6 @@
     <p:sldId id="279" r:id="rId29"/>
     <p:sldId id="280" r:id="rId30"/>
     <p:sldId id="281" r:id="rId31"/>
-    <p:sldId id="282" r:id="rId32"/>
   </p:sldIdLst>
   <p:sldSz cx="12192000" cy="6858000"/>
   <p:notesSz cx="6858000" cy="9144000"/>
@@ -2618,7 +2617,7 @@
         <p:spPr>
           <a:xfrm>
             <a:off x="0" y="566928"/>
-            <a:ext cx="3886200" cy="4929862"/>
+            <a:ext cx="3886200" cy="4932081"/>
           </a:xfrm>
           <a:prstGeom prst="rect">
             <a:avLst/>
@@ -2681,7 +2680,7 @@
         <p:spPr>
           <a:xfrm>
             <a:off x="0" y="566928"/>
-            <a:ext cx="12188952" cy="8228396"/>
+            <a:ext cx="12188952" cy="8247478"/>
           </a:xfrm>
           <a:prstGeom prst="rect">
             <a:avLst/>
@@ -2807,7 +2806,7 @@
         <p:spPr>
           <a:xfrm>
             <a:off x="0" y="566928"/>
-            <a:ext cx="12188952" cy="5388649"/>
+            <a:ext cx="12188952" cy="5345654"/>
           </a:xfrm>
           <a:prstGeom prst="rect">
             <a:avLst/>
@@ -2870,7 +2869,7 @@
         <p:spPr>
           <a:xfrm>
             <a:off x="0" y="566928"/>
-            <a:ext cx="3886200" cy="4929862"/>
+            <a:ext cx="3886200" cy="4932081"/>
           </a:xfrm>
           <a:prstGeom prst="rect">
             <a:avLst/>
@@ -2933,7 +2932,7 @@
         <p:spPr>
           <a:xfrm>
             <a:off x="0" y="566928"/>
-            <a:ext cx="12188952" cy="8228396"/>
+            <a:ext cx="12188952" cy="8247478"/>
           </a:xfrm>
           <a:prstGeom prst="rect">
             <a:avLst/>
@@ -3059,7 +3058,7 @@
         <p:spPr>
           <a:xfrm>
             <a:off x="0" y="566928"/>
-            <a:ext cx="12188952" cy="5338489"/>
+            <a:ext cx="12188952" cy="5345654"/>
           </a:xfrm>
           <a:prstGeom prst="rect">
             <a:avLst/>
@@ -3122,7 +3121,7 @@
         <p:spPr>
           <a:xfrm>
             <a:off x="0" y="566928"/>
-            <a:ext cx="3886200" cy="4929862"/>
+            <a:ext cx="3886200" cy="4932081"/>
           </a:xfrm>
           <a:prstGeom prst="rect">
             <a:avLst/>
@@ -3185,7 +3184,7 @@
         <p:spPr>
           <a:xfrm>
             <a:off x="0" y="566928"/>
-            <a:ext cx="12188952" cy="8228396"/>
+            <a:ext cx="12188952" cy="8247478"/>
           </a:xfrm>
           <a:prstGeom prst="rect">
             <a:avLst/>
@@ -3311,7 +3310,7 @@
         <p:spPr>
           <a:xfrm>
             <a:off x="0" y="566928"/>
-            <a:ext cx="12188952" cy="8228396"/>
+            <a:ext cx="12188952" cy="8247478"/>
           </a:xfrm>
           <a:prstGeom prst="rect">
             <a:avLst/>
@@ -3374,7 +3373,7 @@
         <p:spPr>
           <a:xfrm>
             <a:off x="0" y="566928"/>
-            <a:ext cx="12188952" cy="5282588"/>
+            <a:ext cx="12188952" cy="5296770"/>
           </a:xfrm>
           <a:prstGeom prst="rect">
             <a:avLst/>
@@ -3437,7 +3436,7 @@
         <p:spPr>
           <a:xfrm>
             <a:off x="0" y="566928"/>
-            <a:ext cx="3886200" cy="4929862"/>
+            <a:ext cx="3886200" cy="4932081"/>
           </a:xfrm>
           <a:prstGeom prst="rect">
             <a:avLst/>
@@ -3500,7 +3499,7 @@
         <p:spPr>
           <a:xfrm>
             <a:off x="0" y="566928"/>
-            <a:ext cx="12188952" cy="8228396"/>
+            <a:ext cx="12188952" cy="8247478"/>
           </a:xfrm>
           <a:prstGeom prst="rect">
             <a:avLst/>
@@ -3626,7 +3625,7 @@
         <p:spPr>
           <a:xfrm>
             <a:off x="0" y="566928"/>
-            <a:ext cx="12188952" cy="5338489"/>
+            <a:ext cx="12188952" cy="5345654"/>
           </a:xfrm>
           <a:prstGeom prst="rect">
             <a:avLst/>
@@ -3689,7 +3688,7 @@
         <p:spPr>
           <a:xfrm>
             <a:off x="0" y="566928"/>
-            <a:ext cx="12188952" cy="4955948"/>
+            <a:ext cx="12188952" cy="4984778"/>
           </a:xfrm>
           <a:prstGeom prst="rect">
             <a:avLst/>
@@ -3752,70 +3751,7 @@
         <p:spPr>
           <a:xfrm>
             <a:off x="0" y="566928"/>
-            <a:ext cx="12188952" cy="5058343"/>
-          </a:xfrm>
-          <a:prstGeom prst="rect">
-            <a:avLst/>
-          </a:prstGeom>
-        </p:spPr>
-      </p:pic>
-    </p:spTree>
-  </p:cSld>
-  <p:clrMapOvr>
-    <a:masterClrMapping/>
-  </p:clrMapOvr>
-</p:sld>
-</file>
-
-<file path=ppt/slides/slide27.xml><?xml version="1.0" encoding="utf-8"?>
-<p:sld xmlns:a="http://schemas.openxmlformats.org/drawingml/2006/main" xmlns:p="http://schemas.openxmlformats.org/presentationml/2006/main" xmlns:r="http://schemas.openxmlformats.org/officeDocument/2006/relationships">
-  <p:cSld>
-    <p:spTree>
-      <p:nvGrpSpPr>
-        <p:cNvPr id="1" name=""/>
-        <p:cNvGrpSpPr/>
-        <p:nvPr/>
-      </p:nvGrpSpPr>
-      <p:grpSpPr/>
-      <p:sp>
-        <p:nvSpPr>
-          <p:cNvPr id="2" name="Title 1"/>
-          <p:cNvSpPr>
-            <a:spLocks noGrp="1"/>
-          </p:cNvSpPr>
-          <p:nvPr>
-            <p:ph type="title"/>
-          </p:nvPr>
-        </p:nvSpPr>
-        <p:spPr/>
-        <p:txBody>
-          <a:bodyPr/>
-          <a:lstStyle/>
-          <a:p>
-            <a:r>
-              <a:t>Capacity per Investment (MW/$)</a:t>
-            </a:r>
-          </a:p>
-        </p:txBody>
-      </p:sp>
-      <p:pic>
-        <p:nvPicPr>
-          <p:cNvPr id="3" name="Picture 2" descr="image.png"/>
-          <p:cNvPicPr>
-            <a:picLocks noChangeAspect="1"/>
-          </p:cNvPicPr>
-          <p:nvPr/>
-        </p:nvPicPr>
-        <p:blipFill>
-          <a:blip r:embed="rId2"/>
-          <a:stretch>
-            <a:fillRect/>
-          </a:stretch>
-        </p:blipFill>
-        <p:spPr>
-          <a:xfrm>
-            <a:off x="0" y="566928"/>
-            <a:ext cx="12188952" cy="5143357"/>
+            <a:ext cx="12188952" cy="4984778"/>
           </a:xfrm>
           <a:prstGeom prst="rect">
             <a:avLst/>
@@ -3941,7 +3877,7 @@
         <p:spPr>
           <a:xfrm>
             <a:off x="0" y="566928"/>
-            <a:ext cx="12188952" cy="5338489"/>
+            <a:ext cx="12188952" cy="5345654"/>
           </a:xfrm>
           <a:prstGeom prst="rect">
             <a:avLst/>
@@ -4004,7 +3940,7 @@
         <p:spPr>
           <a:xfrm>
             <a:off x="0" y="566928"/>
-            <a:ext cx="3886200" cy="4929862"/>
+            <a:ext cx="3886200" cy="4932081"/>
           </a:xfrm>
           <a:prstGeom prst="rect">
             <a:avLst/>
@@ -4067,7 +4003,7 @@
         <p:spPr>
           <a:xfrm>
             <a:off x="0" y="566928"/>
-            <a:ext cx="12188952" cy="8228396"/>
+            <a:ext cx="12188952" cy="8247478"/>
           </a:xfrm>
           <a:prstGeom prst="rect">
             <a:avLst/>
@@ -4193,7 +4129,7 @@
         <p:spPr>
           <a:xfrm>
             <a:off x="0" y="566928"/>
-            <a:ext cx="12188952" cy="5388649"/>
+            <a:ext cx="12188952" cy="5345654"/>
           </a:xfrm>
           <a:prstGeom prst="rect">
             <a:avLst/>
@@ -4256,7 +4192,7 @@
         <p:spPr>
           <a:xfrm>
             <a:off x="0" y="566928"/>
-            <a:ext cx="3886200" cy="4929862"/>
+            <a:ext cx="3886200" cy="4932081"/>
           </a:xfrm>
           <a:prstGeom prst="rect">
             <a:avLst/>

--- a/analysis/results/us_wtivs/post_proc.pptx
+++ b/analysis/results/us_wtivs/post_proc.pptx
@@ -3688,7 +3688,7 @@
         <p:spPr>
           <a:xfrm>
             <a:off x="0" y="566928"/>
-            <a:ext cx="12188952" cy="4984778"/>
+            <a:ext cx="12188952" cy="5041504"/>
           </a:xfrm>
           <a:prstGeom prst="rect">
             <a:avLst/>
